--- a/PeerAMidPortal/PPTTemplate/PeerAMid-SGA.pptx
+++ b/PeerAMidPortal/PPTTemplate/PeerAMid-SGA.pptx
@@ -12548,7 +12548,7 @@
           <a:p>
             <a:fld id="{AF43BBF5-7E80-4500-BF17-A13B9481C2D4}" type="datetimeFigureOut">
               <a:rPr lang="en-GB" smtClean="0"/>
-              <a:t>06/06/2024</a:t>
+              <a:t>14/08/2024</a:t>
             </a:fld>
             <a:endParaRPr lang="en-GB" dirty="0"/>
           </a:p>
@@ -12713,7 +12713,7 @@
           <a:p>
             <a:fld id="{93E7021D-3894-4F8B-877F-F893FFAFCFF8}" type="datetimeFigureOut">
               <a:rPr lang="en-GB" smtClean="0"/>
-              <a:t>06/06/2024</a:t>
+              <a:t>14/08/2024</a:t>
             </a:fld>
             <a:endParaRPr lang="en-GB" dirty="0"/>
           </a:p>
@@ -24295,6 +24295,11 @@
           <a:bodyPr/>
           <a:lstStyle/>
           <a:p>
+            <a:pPr>
+              <a:spcAft>
+                <a:spcPts val="0"/>
+              </a:spcAft>
+            </a:pPr>
             <a:r>
               <a:rPr lang="en-US" sz="1000" dirty="0">
                 <a:solidFill>
@@ -24318,7 +24323,7 @@
               <a:t>Cname</a:t>
             </a:r>
             <a:r>
-              <a:rPr lang="en-US" sz="1000">
+              <a:rPr lang="en-US" sz="1000" dirty="0">
                 <a:solidFill>
                   <a:schemeClr val="tx1">
                     <a:lumMod val="75000"/>
@@ -24326,18 +24331,7 @@
                 </a:solidFill>
                 <a:latin typeface="+mn-lt"/>
               </a:rPr>
-              <a:t>]'s </a:t>
-            </a:r>
-            <a:r>
-              <a:rPr lang="en-US" sz="1000" dirty="0">
-                <a:solidFill>
-                  <a:schemeClr val="tx1">
-                    <a:lumMod val="75000"/>
-                  </a:schemeClr>
-                </a:solidFill>
-                <a:latin typeface="+mn-lt"/>
-              </a:rPr>
-              <a:t>SG&amp;A performance is within top quartile, however EBITDA is below Median keeping them from being a top performer overall.</a:t>
+              <a:t>]'s SG&amp;A performance is within top quartile, however EBITDA is below Median keeping them from being a top performer overall.</a:t>
             </a:r>
           </a:p>
         </p:txBody>
